--- a/Presentation.pptx
+++ b/Presentation.pptx
@@ -1524,46 +1524,6 @@
             </a:r>
             <a:endParaRPr lang="en-US" sz="1400" dirty="0"/>
           </a:p>
-          <a:p>
-            <a:pPr indent="0" marL="0">
-              <a:buNone/>
-            </a:pPr>
-            <a:endParaRPr lang="en-US" sz="1400" dirty="0"/>
-          </a:p>
-          <a:p>
-            <a:pPr indent="0" marL="0">
-              <a:buNone/>
-            </a:pPr>
-            <a:r>
-              <a:rPr lang="en-US" sz="1400" dirty="0">
-                <a:solidFill>
-                  <a:srgbClr val="000000"/>
-                </a:solidFill>
-              </a:rPr>
-              <a:t>2. Customer satisfaction has improved by 15%</a:t>
-            </a:r>
-            <a:endParaRPr lang="en-US" sz="1400" dirty="0"/>
-          </a:p>
-          <a:p>
-            <a:pPr indent="0" marL="0">
-              <a:buNone/>
-            </a:pPr>
-            <a:endParaRPr lang="en-US" sz="1400" dirty="0"/>
-          </a:p>
-          <a:p>
-            <a:pPr indent="0" marL="0">
-              <a:buNone/>
-            </a:pPr>
-            <a:r>
-              <a:rPr lang="en-US" sz="1400" dirty="0">
-                <a:solidFill>
-                  <a:srgbClr val="000000"/>
-                </a:solidFill>
-              </a:rPr>
-              <a:t>3. Revenue increased by 25% compared to last quarter</a:t>
-            </a:r>
-            <a:endParaRPr lang="en-US" sz="1400" dirty="0"/>
-          </a:p>
         </p:txBody>
       </p:sp>
     </p:spTree>
@@ -1658,46 +1618,6 @@
                 </a:solidFill>
               </a:rPr>
               <a:t>1. Continue current marketing strategy</a:t>
-            </a:r>
-            <a:endParaRPr lang="en-US" sz="1400" dirty="0"/>
-          </a:p>
-          <a:p>
-            <a:pPr indent="0" marL="0">
-              <a:buNone/>
-            </a:pPr>
-            <a:endParaRPr lang="en-US" sz="1400" dirty="0"/>
-          </a:p>
-          <a:p>
-            <a:pPr indent="0" marL="0">
-              <a:buNone/>
-            </a:pPr>
-            <a:r>
-              <a:rPr lang="en-US" sz="1400" dirty="0">
-                <a:solidFill>
-                  <a:srgbClr val="000000"/>
-                </a:solidFill>
-              </a:rPr>
-              <a:t>2. Invest in customer service improvements</a:t>
-            </a:r>
-            <a:endParaRPr lang="en-US" sz="1400" dirty="0"/>
-          </a:p>
-          <a:p>
-            <a:pPr indent="0" marL="0">
-              <a:buNone/>
-            </a:pPr>
-            <a:endParaRPr lang="en-US" sz="1400" dirty="0"/>
-          </a:p>
-          <a:p>
-            <a:pPr indent="0" marL="0">
-              <a:buNone/>
-            </a:pPr>
-            <a:r>
-              <a:rPr lang="en-US" sz="1400" dirty="0">
-                <a:solidFill>
-                  <a:srgbClr val="000000"/>
-                </a:solidFill>
-              </a:rPr>
-              <a:t>3. Consider expanding to new markets</a:t>
             </a:r>
             <a:endParaRPr lang="en-US" sz="1400" dirty="0"/>
           </a:p>

--- a/Presentation.pptx
+++ b/Presentation.pptx
@@ -7,12 +7,9 @@
   <p:sldIdLst>
     <p:sldId id="256" r:id="rId2"/>
     <p:sldId id="257" r:id="rId3"/>
-    <p:sldId id="258" r:id="rId4"/>
-    <p:sldId id="259" r:id="rId5"/>
-    <p:sldId id="260" r:id="rId6"/>
   </p:sldIdLst>
   <p:notesMasterIdLst>
-    <p:notesMasterId r:id="rId7"/>
+    <p:notesMasterId r:id="rId4"/>
   </p:notesMasterIdLst>
   <p:sldSz cx="9144000" cy="5143500"/>
   <p:notesSz cx="5143500" cy="9144000"/>
@@ -618,270 +615,6 @@
             <a:fld id="{F7021451-1387-4CA6-816F-3879F97B5CBC}" type="slidenum">
               <a:rPr lang="en-US"/>
               <a:t>2</a:t>
-            </a:fld>
-            <a:endParaRPr lang="en-US"/>
-          </a:p>
-        </p:txBody>
-      </p:sp>
-    </p:spTree>
-    <p:extLst>
-      <p:ext uri="{BB962C8B-B14F-4D97-AF65-F5344CB8AC3E}">
-        <p14:creationId xmlns:p14="http://schemas.microsoft.com/office/powerpoint/2010/main" val="1024086991"/>
-      </p:ext>
-    </p:extLst>
-  </p:cSld>
-  <p:clrMapOvr>
-    <a:masterClrMapping/>
-  </p:clrMapOvr>
-</p:notes>
-</file>
-
-<file path=ppt/notesSlides/notesSlide3.xml><?xml version="1.0" encoding="utf-8"?>
-<p:notes xmlns:a="http://schemas.openxmlformats.org/drawingml/2006/main" xmlns:r="http://schemas.openxmlformats.org/officeDocument/2006/relationships" xmlns:p="http://schemas.openxmlformats.org/presentationml/2006/main">
-  <p:cSld>
-    <p:spTree>
-      <p:nvGrpSpPr>
-        <p:cNvPr id="1" name=""/>
-        <p:cNvGrpSpPr/>
-        <p:nvPr/>
-      </p:nvGrpSpPr>
-      <p:grpSpPr>
-        <a:xfrm>
-          <a:off x="0" y="0"/>
-          <a:ext cx="0" cy="0"/>
-          <a:chOff x="0" y="0"/>
-          <a:chExt cx="0" cy="0"/>
-        </a:xfrm>
-      </p:grpSpPr>
-      <p:sp>
-        <p:nvSpPr>
-          <p:cNvPr id="2" name="Slide Image Placeholder 1"/>
-          <p:cNvSpPr>
-            <a:spLocks noGrp="1" noRot="1" noChangeAspect="1"/>
-          </p:cNvSpPr>
-          <p:nvPr>
-            <p:ph type="sldImg"/>
-          </p:nvPr>
-        </p:nvSpPr>
-        <p:spPr/>
-      </p:sp>
-      <p:sp>
-        <p:nvSpPr>
-          <p:cNvPr id="3" name="Notes Placeholder 2"/>
-          <p:cNvSpPr>
-            <a:spLocks noGrp="1"/>
-          </p:cNvSpPr>
-          <p:nvPr>
-            <p:ph type="body" idx="1"/>
-          </p:nvPr>
-        </p:nvSpPr>
-        <p:spPr/>
-        <p:txBody>
-          <a:bodyPr/>
-          <a:lstStyle/>
-          <a:p>
-            <a:r>
-              <a:rPr lang="en-US" dirty="0"/>
-              <a:t/>
-            </a:r>
-            <a:endParaRPr lang="en-US" dirty="0"/>
-          </a:p>
-        </p:txBody>
-      </p:sp>
-      <p:sp>
-        <p:nvSpPr>
-          <p:cNvPr id="4" name="Slide Number Placeholder 3"/>
-          <p:cNvSpPr>
-            <a:spLocks noGrp="1"/>
-          </p:cNvSpPr>
-          <p:nvPr>
-            <p:ph type="sldNum" sz="quarter" idx="10"/>
-          </p:nvPr>
-        </p:nvSpPr>
-        <p:spPr/>
-        <p:txBody>
-          <a:bodyPr/>
-          <a:lstStyle/>
-          <a:p>
-            <a:fld id="{F7021451-1387-4CA6-816F-3879F97B5CBC}" type="slidenum">
-              <a:rPr lang="en-US"/>
-              <a:t>3</a:t>
-            </a:fld>
-            <a:endParaRPr lang="en-US"/>
-          </a:p>
-        </p:txBody>
-      </p:sp>
-    </p:spTree>
-    <p:extLst>
-      <p:ext uri="{BB962C8B-B14F-4D97-AF65-F5344CB8AC3E}">
-        <p14:creationId xmlns:p14="http://schemas.microsoft.com/office/powerpoint/2010/main" val="1024086991"/>
-      </p:ext>
-    </p:extLst>
-  </p:cSld>
-  <p:clrMapOvr>
-    <a:masterClrMapping/>
-  </p:clrMapOvr>
-</p:notes>
-</file>
-
-<file path=ppt/notesSlides/notesSlide4.xml><?xml version="1.0" encoding="utf-8"?>
-<p:notes xmlns:a="http://schemas.openxmlformats.org/drawingml/2006/main" xmlns:r="http://schemas.openxmlformats.org/officeDocument/2006/relationships" xmlns:p="http://schemas.openxmlformats.org/presentationml/2006/main">
-  <p:cSld>
-    <p:spTree>
-      <p:nvGrpSpPr>
-        <p:cNvPr id="1" name=""/>
-        <p:cNvGrpSpPr/>
-        <p:nvPr/>
-      </p:nvGrpSpPr>
-      <p:grpSpPr>
-        <a:xfrm>
-          <a:off x="0" y="0"/>
-          <a:ext cx="0" cy="0"/>
-          <a:chOff x="0" y="0"/>
-          <a:chExt cx="0" cy="0"/>
-        </a:xfrm>
-      </p:grpSpPr>
-      <p:sp>
-        <p:nvSpPr>
-          <p:cNvPr id="2" name="Slide Image Placeholder 1"/>
-          <p:cNvSpPr>
-            <a:spLocks noGrp="1" noRot="1" noChangeAspect="1"/>
-          </p:cNvSpPr>
-          <p:nvPr>
-            <p:ph type="sldImg"/>
-          </p:nvPr>
-        </p:nvSpPr>
-        <p:spPr/>
-      </p:sp>
-      <p:sp>
-        <p:nvSpPr>
-          <p:cNvPr id="3" name="Notes Placeholder 2"/>
-          <p:cNvSpPr>
-            <a:spLocks noGrp="1"/>
-          </p:cNvSpPr>
-          <p:nvPr>
-            <p:ph type="body" idx="1"/>
-          </p:nvPr>
-        </p:nvSpPr>
-        <p:spPr/>
-        <p:txBody>
-          <a:bodyPr/>
-          <a:lstStyle/>
-          <a:p>
-            <a:r>
-              <a:rPr lang="en-US" dirty="0"/>
-              <a:t/>
-            </a:r>
-            <a:endParaRPr lang="en-US" dirty="0"/>
-          </a:p>
-        </p:txBody>
-      </p:sp>
-      <p:sp>
-        <p:nvSpPr>
-          <p:cNvPr id="4" name="Slide Number Placeholder 3"/>
-          <p:cNvSpPr>
-            <a:spLocks noGrp="1"/>
-          </p:cNvSpPr>
-          <p:nvPr>
-            <p:ph type="sldNum" sz="quarter" idx="10"/>
-          </p:nvPr>
-        </p:nvSpPr>
-        <p:spPr/>
-        <p:txBody>
-          <a:bodyPr/>
-          <a:lstStyle/>
-          <a:p>
-            <a:fld id="{F7021451-1387-4CA6-816F-3879F97B5CBC}" type="slidenum">
-              <a:rPr lang="en-US"/>
-              <a:t>4</a:t>
-            </a:fld>
-            <a:endParaRPr lang="en-US"/>
-          </a:p>
-        </p:txBody>
-      </p:sp>
-    </p:spTree>
-    <p:extLst>
-      <p:ext uri="{BB962C8B-B14F-4D97-AF65-F5344CB8AC3E}">
-        <p14:creationId xmlns:p14="http://schemas.microsoft.com/office/powerpoint/2010/main" val="1024086991"/>
-      </p:ext>
-    </p:extLst>
-  </p:cSld>
-  <p:clrMapOvr>
-    <a:masterClrMapping/>
-  </p:clrMapOvr>
-</p:notes>
-</file>
-
-<file path=ppt/notesSlides/notesSlide5.xml><?xml version="1.0" encoding="utf-8"?>
-<p:notes xmlns:a="http://schemas.openxmlformats.org/drawingml/2006/main" xmlns:r="http://schemas.openxmlformats.org/officeDocument/2006/relationships" xmlns:p="http://schemas.openxmlformats.org/presentationml/2006/main">
-  <p:cSld>
-    <p:spTree>
-      <p:nvGrpSpPr>
-        <p:cNvPr id="1" name=""/>
-        <p:cNvGrpSpPr/>
-        <p:nvPr/>
-      </p:nvGrpSpPr>
-      <p:grpSpPr>
-        <a:xfrm>
-          <a:off x="0" y="0"/>
-          <a:ext cx="0" cy="0"/>
-          <a:chOff x="0" y="0"/>
-          <a:chExt cx="0" cy="0"/>
-        </a:xfrm>
-      </p:grpSpPr>
-      <p:sp>
-        <p:nvSpPr>
-          <p:cNvPr id="2" name="Slide Image Placeholder 1"/>
-          <p:cNvSpPr>
-            <a:spLocks noGrp="1" noRot="1" noChangeAspect="1"/>
-          </p:cNvSpPr>
-          <p:nvPr>
-            <p:ph type="sldImg"/>
-          </p:nvPr>
-        </p:nvSpPr>
-        <p:spPr/>
-      </p:sp>
-      <p:sp>
-        <p:nvSpPr>
-          <p:cNvPr id="3" name="Notes Placeholder 2"/>
-          <p:cNvSpPr>
-            <a:spLocks noGrp="1"/>
-          </p:cNvSpPr>
-          <p:nvPr>
-            <p:ph type="body" idx="1"/>
-          </p:nvPr>
-        </p:nvSpPr>
-        <p:spPr/>
-        <p:txBody>
-          <a:bodyPr/>
-          <a:lstStyle/>
-          <a:p>
-            <a:r>
-              <a:rPr lang="en-US" dirty="0"/>
-              <a:t/>
-            </a:r>
-            <a:endParaRPr lang="en-US" dirty="0"/>
-          </a:p>
-        </p:txBody>
-      </p:sp>
-      <p:sp>
-        <p:nvSpPr>
-          <p:cNvPr id="4" name="Slide Number Placeholder 3"/>
-          <p:cNvSpPr>
-            <a:spLocks noGrp="1"/>
-          </p:cNvSpPr>
-          <p:nvPr>
-            <p:ph type="sldNum" sz="quarter" idx="10"/>
-          </p:nvPr>
-        </p:nvSpPr>
-        <p:spPr/>
-        <p:txBody>
-          <a:bodyPr/>
-          <a:lstStyle/>
-          <a:p>
-            <a:fld id="{F7021451-1387-4CA6-816F-3879F97B5CBC}" type="slidenum">
-              <a:rPr lang="en-US"/>
-              <a:t>5</a:t>
             </a:fld>
             <a:endParaRPr lang="en-US"/>
           </a:p>
@@ -1254,7 +987,7 @@
                   <a:srgbClr val="2E86AB"/>
                 </a:solidFill>
               </a:rPr>
-              <a:t>test-report.xlsx</a:t>
+              <a:t>test.xlsx</a:t>
             </a:r>
             <a:endParaRPr lang="en-US" sz="3200" dirty="0"/>
           </a:p>
@@ -1423,300 +1156,9 @@
                   <a:srgbClr val="000000"/>
                 </a:solidFill>
               </a:rPr>
-              <a:t>This is a test summary for the AI report analysis.</a:t>
+              <a:t>Test summary</a:t>
             </a:r>
             <a:endParaRPr lang="en-US" sz="1600" dirty="0"/>
-          </a:p>
-        </p:txBody>
-      </p:sp>
-    </p:spTree>
-  </p:cSld>
-  <p:clrMapOvr>
-    <a:masterClrMapping/>
-  </p:clrMapOvr>
-</p:sld>
-</file>
-
-<file path=ppt/slides/slide3.xml><?xml version="1.0" encoding="utf-8"?>
-<p:sld xmlns:a="http://schemas.openxmlformats.org/drawingml/2006/main" xmlns:r="http://schemas.openxmlformats.org/officeDocument/2006/relationships" xmlns:p="http://schemas.openxmlformats.org/presentationml/2006/main">
-  <p:cSld name="Slide 3">
-    <p:spTree>
-      <p:nvGrpSpPr>
-        <p:cNvPr id="1" name=""/>
-        <p:cNvGrpSpPr/>
-        <p:nvPr/>
-      </p:nvGrpSpPr>
-      <p:grpSpPr>
-        <a:xfrm>
-          <a:off x="0" y="0"/>
-          <a:ext cx="0" cy="0"/>
-          <a:chOff x="0" y="0"/>
-          <a:chExt cx="0" cy="0"/>
-        </a:xfrm>
-      </p:grpSpPr>
-      <p:sp>
-        <p:nvSpPr>
-          <p:cNvPr id="2" name="Text 0"/>
-          <p:cNvSpPr/>
-          <p:nvPr/>
-        </p:nvSpPr>
-        <p:spPr>
-          <a:xfrm>
-            <a:off x="457200" y="457200"/>
-            <a:ext cx="8229600" cy="914400"/>
-          </a:xfrm>
-          <a:prstGeom prst="rect">
-            <a:avLst/>
-          </a:prstGeom>
-          <a:noFill/>
-          <a:ln/>
-        </p:spPr>
-        <p:txBody>
-          <a:bodyPr wrap="square" rtlCol="0" anchor="ctr"/>
-          <a:lstStyle/>
-          <a:p>
-            <a:pPr indent="0" marL="0">
-              <a:buNone/>
-            </a:pPr>
-            <a:r>
-              <a:rPr lang="en-US" sz="2400" b="1" dirty="0">
-                <a:solidFill>
-                  <a:srgbClr val="2E86AB"/>
-                </a:solidFill>
-              </a:rPr>
-              <a:t>AI Insights</a:t>
-            </a:r>
-            <a:endParaRPr lang="en-US" sz="2400" dirty="0"/>
-          </a:p>
-        </p:txBody>
-      </p:sp>
-      <p:sp>
-        <p:nvSpPr>
-          <p:cNvPr id="3" name="Text 1"/>
-          <p:cNvSpPr/>
-          <p:nvPr/>
-        </p:nvSpPr>
-        <p:spPr>
-          <a:xfrm>
-            <a:off x="457200" y="1371600"/>
-            <a:ext cx="8229600" cy="3657600"/>
-          </a:xfrm>
-          <a:prstGeom prst="rect">
-            <a:avLst/>
-          </a:prstGeom>
-          <a:noFill/>
-          <a:ln/>
-        </p:spPr>
-        <p:txBody>
-          <a:bodyPr wrap="square" rtlCol="0" anchor="t"/>
-          <a:lstStyle/>
-          <a:p>
-            <a:pPr indent="0" marL="0">
-              <a:buNone/>
-            </a:pPr>
-            <a:r>
-              <a:rPr lang="en-US" sz="1400" dirty="0">
-                <a:solidFill>
-                  <a:srgbClr val="000000"/>
-                </a:solidFill>
-              </a:rPr>
-              <a:t>1. Data shows significant growth trends</a:t>
-            </a:r>
-            <a:endParaRPr lang="en-US" sz="1400" dirty="0"/>
-          </a:p>
-        </p:txBody>
-      </p:sp>
-    </p:spTree>
-  </p:cSld>
-  <p:clrMapOvr>
-    <a:masterClrMapping/>
-  </p:clrMapOvr>
-</p:sld>
-</file>
-
-<file path=ppt/slides/slide4.xml><?xml version="1.0" encoding="utf-8"?>
-<p:sld xmlns:a="http://schemas.openxmlformats.org/drawingml/2006/main" xmlns:r="http://schemas.openxmlformats.org/officeDocument/2006/relationships" xmlns:p="http://schemas.openxmlformats.org/presentationml/2006/main">
-  <p:cSld name="Slide 4">
-    <p:spTree>
-      <p:nvGrpSpPr>
-        <p:cNvPr id="1" name=""/>
-        <p:cNvGrpSpPr/>
-        <p:nvPr/>
-      </p:nvGrpSpPr>
-      <p:grpSpPr>
-        <a:xfrm>
-          <a:off x="0" y="0"/>
-          <a:ext cx="0" cy="0"/>
-          <a:chOff x="0" y="0"/>
-          <a:chExt cx="0" cy="0"/>
-        </a:xfrm>
-      </p:grpSpPr>
-      <p:sp>
-        <p:nvSpPr>
-          <p:cNvPr id="2" name="Text 0"/>
-          <p:cNvSpPr/>
-          <p:nvPr/>
-        </p:nvSpPr>
-        <p:spPr>
-          <a:xfrm>
-            <a:off x="457200" y="457200"/>
-            <a:ext cx="8229600" cy="914400"/>
-          </a:xfrm>
-          <a:prstGeom prst="rect">
-            <a:avLst/>
-          </a:prstGeom>
-          <a:noFill/>
-          <a:ln/>
-        </p:spPr>
-        <p:txBody>
-          <a:bodyPr wrap="square" rtlCol="0" anchor="ctr"/>
-          <a:lstStyle/>
-          <a:p>
-            <a:pPr indent="0" marL="0">
-              <a:buNone/>
-            </a:pPr>
-            <a:r>
-              <a:rPr lang="en-US" sz="2400" b="1" dirty="0">
-                <a:solidFill>
-                  <a:srgbClr val="2E86AB"/>
-                </a:solidFill>
-              </a:rPr>
-              <a:t>AI Recommendations</a:t>
-            </a:r>
-            <a:endParaRPr lang="en-US" sz="2400" dirty="0"/>
-          </a:p>
-        </p:txBody>
-      </p:sp>
-      <p:sp>
-        <p:nvSpPr>
-          <p:cNvPr id="3" name="Text 1"/>
-          <p:cNvSpPr/>
-          <p:nvPr/>
-        </p:nvSpPr>
-        <p:spPr>
-          <a:xfrm>
-            <a:off x="457200" y="1371600"/>
-            <a:ext cx="8229600" cy="3657600"/>
-          </a:xfrm>
-          <a:prstGeom prst="rect">
-            <a:avLst/>
-          </a:prstGeom>
-          <a:noFill/>
-          <a:ln/>
-        </p:spPr>
-        <p:txBody>
-          <a:bodyPr wrap="square" rtlCol="0" anchor="t"/>
-          <a:lstStyle/>
-          <a:p>
-            <a:pPr indent="0" marL="0">
-              <a:buNone/>
-            </a:pPr>
-            <a:r>
-              <a:rPr lang="en-US" sz="1400" dirty="0">
-                <a:solidFill>
-                  <a:srgbClr val="000000"/>
-                </a:solidFill>
-              </a:rPr>
-              <a:t>1. Continue current marketing strategy</a:t>
-            </a:r>
-            <a:endParaRPr lang="en-US" sz="1400" dirty="0"/>
-          </a:p>
-        </p:txBody>
-      </p:sp>
-    </p:spTree>
-  </p:cSld>
-  <p:clrMapOvr>
-    <a:masterClrMapping/>
-  </p:clrMapOvr>
-</p:sld>
-</file>
-
-<file path=ppt/slides/slide5.xml><?xml version="1.0" encoding="utf-8"?>
-<p:sld xmlns:a="http://schemas.openxmlformats.org/drawingml/2006/main" xmlns:r="http://schemas.openxmlformats.org/officeDocument/2006/relationships" xmlns:p="http://schemas.openxmlformats.org/presentationml/2006/main">
-  <p:cSld name="Slide 5">
-    <p:spTree>
-      <p:nvGrpSpPr>
-        <p:cNvPr id="1" name=""/>
-        <p:cNvGrpSpPr/>
-        <p:nvPr/>
-      </p:nvGrpSpPr>
-      <p:grpSpPr>
-        <a:xfrm>
-          <a:off x="0" y="0"/>
-          <a:ext cx="0" cy="0"/>
-          <a:chOff x="0" y="0"/>
-          <a:chExt cx="0" cy="0"/>
-        </a:xfrm>
-      </p:grpSpPr>
-      <p:sp>
-        <p:nvSpPr>
-          <p:cNvPr id="2" name="Text 0"/>
-          <p:cNvSpPr/>
-          <p:nvPr/>
-        </p:nvSpPr>
-        <p:spPr>
-          <a:xfrm>
-            <a:off x="457200" y="457200"/>
-            <a:ext cx="8229600" cy="914400"/>
-          </a:xfrm>
-          <a:prstGeom prst="rect">
-            <a:avLst/>
-          </a:prstGeom>
-          <a:noFill/>
-          <a:ln/>
-        </p:spPr>
-        <p:txBody>
-          <a:bodyPr wrap="square" rtlCol="0" anchor="ctr"/>
-          <a:lstStyle/>
-          <a:p>
-            <a:pPr indent="0" marL="0">
-              <a:buNone/>
-            </a:pPr>
-            <a:r>
-              <a:rPr lang="en-US" sz="2400" b="1" dirty="0">
-                <a:solidFill>
-                  <a:srgbClr val="2E86AB"/>
-                </a:solidFill>
-              </a:rPr>
-              <a:t>Statistical Summary</a:t>
-            </a:r>
-            <a:endParaRPr lang="en-US" sz="2400" dirty="0"/>
-          </a:p>
-        </p:txBody>
-      </p:sp>
-      <p:sp>
-        <p:nvSpPr>
-          <p:cNvPr id="3" name="Text 1"/>
-          <p:cNvSpPr/>
-          <p:nvPr/>
-        </p:nvSpPr>
-        <p:spPr>
-          <a:xfrm>
-            <a:off x="457200" y="1371600"/>
-            <a:ext cx="8229600" cy="3657600"/>
-          </a:xfrm>
-          <a:prstGeom prst="rect">
-            <a:avLst/>
-          </a:prstGeom>
-          <a:noFill/>
-          <a:ln/>
-        </p:spPr>
-        <p:txBody>
-          <a:bodyPr wrap="square" rtlCol="0" anchor="t"/>
-          <a:lstStyle/>
-          <a:p>
-            <a:pPr indent="0" marL="0">
-              <a:buNone/>
-            </a:pPr>
-            <a:r>
-              <a:rPr lang="en-US" sz="1400" dirty="0">
-                <a:solidFill>
-                  <a:srgbClr val="000000"/>
-                </a:solidFill>
-              </a:rPr>
-              <a:t>Revenue: Count: 100 | Avg: 1500.50 | Min: 200 | Max: 5000</a:t>
-            </a:r>
-            <a:endParaRPr lang="en-US" sz="1400" dirty="0"/>
           </a:p>
         </p:txBody>
       </p:sp>

--- a/Presentation.pptx
+++ b/Presentation.pptx
@@ -7,9 +7,11 @@
   <p:sldIdLst>
     <p:sldId id="256" r:id="rId2"/>
     <p:sldId id="257" r:id="rId3"/>
+    <p:sldId id="258" r:id="rId4"/>
+    <p:sldId id="259" r:id="rId5"/>
   </p:sldIdLst>
   <p:notesMasterIdLst>
-    <p:notesMasterId r:id="rId4"/>
+    <p:notesMasterId r:id="rId6"/>
   </p:notesMasterIdLst>
   <p:sldSz cx="9144000" cy="5143500"/>
   <p:notesSz cx="5143500" cy="9144000"/>
@@ -615,6 +617,182 @@
             <a:fld id="{F7021451-1387-4CA6-816F-3879F97B5CBC}" type="slidenum">
               <a:rPr lang="en-US"/>
               <a:t>2</a:t>
+            </a:fld>
+            <a:endParaRPr lang="en-US"/>
+          </a:p>
+        </p:txBody>
+      </p:sp>
+    </p:spTree>
+    <p:extLst>
+      <p:ext uri="{BB962C8B-B14F-4D97-AF65-F5344CB8AC3E}">
+        <p14:creationId xmlns:p14="http://schemas.microsoft.com/office/powerpoint/2010/main" val="1024086991"/>
+      </p:ext>
+    </p:extLst>
+  </p:cSld>
+  <p:clrMapOvr>
+    <a:masterClrMapping/>
+  </p:clrMapOvr>
+</p:notes>
+</file>
+
+<file path=ppt/notesSlides/notesSlide3.xml><?xml version="1.0" encoding="utf-8"?>
+<p:notes xmlns:a="http://schemas.openxmlformats.org/drawingml/2006/main" xmlns:r="http://schemas.openxmlformats.org/officeDocument/2006/relationships" xmlns:p="http://schemas.openxmlformats.org/presentationml/2006/main">
+  <p:cSld>
+    <p:spTree>
+      <p:nvGrpSpPr>
+        <p:cNvPr id="1" name=""/>
+        <p:cNvGrpSpPr/>
+        <p:nvPr/>
+      </p:nvGrpSpPr>
+      <p:grpSpPr>
+        <a:xfrm>
+          <a:off x="0" y="0"/>
+          <a:ext cx="0" cy="0"/>
+          <a:chOff x="0" y="0"/>
+          <a:chExt cx="0" cy="0"/>
+        </a:xfrm>
+      </p:grpSpPr>
+      <p:sp>
+        <p:nvSpPr>
+          <p:cNvPr id="2" name="Slide Image Placeholder 1"/>
+          <p:cNvSpPr>
+            <a:spLocks noGrp="1" noRot="1" noChangeAspect="1"/>
+          </p:cNvSpPr>
+          <p:nvPr>
+            <p:ph type="sldImg"/>
+          </p:nvPr>
+        </p:nvSpPr>
+        <p:spPr/>
+      </p:sp>
+      <p:sp>
+        <p:nvSpPr>
+          <p:cNvPr id="3" name="Notes Placeholder 2"/>
+          <p:cNvSpPr>
+            <a:spLocks noGrp="1"/>
+          </p:cNvSpPr>
+          <p:nvPr>
+            <p:ph type="body" idx="1"/>
+          </p:nvPr>
+        </p:nvSpPr>
+        <p:spPr/>
+        <p:txBody>
+          <a:bodyPr/>
+          <a:lstStyle/>
+          <a:p>
+            <a:r>
+              <a:rPr lang="en-US" dirty="0"/>
+              <a:t/>
+            </a:r>
+            <a:endParaRPr lang="en-US" dirty="0"/>
+          </a:p>
+        </p:txBody>
+      </p:sp>
+      <p:sp>
+        <p:nvSpPr>
+          <p:cNvPr id="4" name="Slide Number Placeholder 3"/>
+          <p:cNvSpPr>
+            <a:spLocks noGrp="1"/>
+          </p:cNvSpPr>
+          <p:nvPr>
+            <p:ph type="sldNum" sz="quarter" idx="10"/>
+          </p:nvPr>
+        </p:nvSpPr>
+        <p:spPr/>
+        <p:txBody>
+          <a:bodyPr/>
+          <a:lstStyle/>
+          <a:p>
+            <a:fld id="{F7021451-1387-4CA6-816F-3879F97B5CBC}" type="slidenum">
+              <a:rPr lang="en-US"/>
+              <a:t>3</a:t>
+            </a:fld>
+            <a:endParaRPr lang="en-US"/>
+          </a:p>
+        </p:txBody>
+      </p:sp>
+    </p:spTree>
+    <p:extLst>
+      <p:ext uri="{BB962C8B-B14F-4D97-AF65-F5344CB8AC3E}">
+        <p14:creationId xmlns:p14="http://schemas.microsoft.com/office/powerpoint/2010/main" val="1024086991"/>
+      </p:ext>
+    </p:extLst>
+  </p:cSld>
+  <p:clrMapOvr>
+    <a:masterClrMapping/>
+  </p:clrMapOvr>
+</p:notes>
+</file>
+
+<file path=ppt/notesSlides/notesSlide4.xml><?xml version="1.0" encoding="utf-8"?>
+<p:notes xmlns:a="http://schemas.openxmlformats.org/drawingml/2006/main" xmlns:r="http://schemas.openxmlformats.org/officeDocument/2006/relationships" xmlns:p="http://schemas.openxmlformats.org/presentationml/2006/main">
+  <p:cSld>
+    <p:spTree>
+      <p:nvGrpSpPr>
+        <p:cNvPr id="1" name=""/>
+        <p:cNvGrpSpPr/>
+        <p:nvPr/>
+      </p:nvGrpSpPr>
+      <p:grpSpPr>
+        <a:xfrm>
+          <a:off x="0" y="0"/>
+          <a:ext cx="0" cy="0"/>
+          <a:chOff x="0" y="0"/>
+          <a:chExt cx="0" cy="0"/>
+        </a:xfrm>
+      </p:grpSpPr>
+      <p:sp>
+        <p:nvSpPr>
+          <p:cNvPr id="2" name="Slide Image Placeholder 1"/>
+          <p:cNvSpPr>
+            <a:spLocks noGrp="1" noRot="1" noChangeAspect="1"/>
+          </p:cNvSpPr>
+          <p:nvPr>
+            <p:ph type="sldImg"/>
+          </p:nvPr>
+        </p:nvSpPr>
+        <p:spPr/>
+      </p:sp>
+      <p:sp>
+        <p:nvSpPr>
+          <p:cNvPr id="3" name="Notes Placeholder 2"/>
+          <p:cNvSpPr>
+            <a:spLocks noGrp="1"/>
+          </p:cNvSpPr>
+          <p:nvPr>
+            <p:ph type="body" idx="1"/>
+          </p:nvPr>
+        </p:nvSpPr>
+        <p:spPr/>
+        <p:txBody>
+          <a:bodyPr/>
+          <a:lstStyle/>
+          <a:p>
+            <a:r>
+              <a:rPr lang="en-US" dirty="0"/>
+              <a:t/>
+            </a:r>
+            <a:endParaRPr lang="en-US" dirty="0"/>
+          </a:p>
+        </p:txBody>
+      </p:sp>
+      <p:sp>
+        <p:nvSpPr>
+          <p:cNvPr id="4" name="Slide Number Placeholder 3"/>
+          <p:cNvSpPr>
+            <a:spLocks noGrp="1"/>
+          </p:cNvSpPr>
+          <p:nvPr>
+            <p:ph type="sldNum" sz="quarter" idx="10"/>
+          </p:nvPr>
+        </p:nvSpPr>
+        <p:spPr/>
+        <p:txBody>
+          <a:bodyPr/>
+          <a:lstStyle/>
+          <a:p>
+            <a:fld id="{F7021451-1387-4CA6-816F-3879F97B5CBC}" type="slidenum">
+              <a:rPr lang="en-US"/>
+              <a:t>4</a:t>
             </a:fld>
             <a:endParaRPr lang="en-US"/>
           </a:p>
@@ -987,7 +1165,7 @@
                   <a:srgbClr val="2E86AB"/>
                 </a:solidFill>
               </a:rPr>
-              <a:t>test.xlsx</a:t>
+              <a:t>test-comprehensive.xlsx</a:t>
             </a:r>
             <a:endParaRPr lang="en-US" sz="3200" dirty="0"/>
           </a:p>
@@ -1156,9 +1334,203 @@
                   <a:srgbClr val="000000"/>
                 </a:solidFill>
               </a:rPr>
-              <a:t>Test summary</a:t>
+              <a:t>Test with real data</a:t>
             </a:r>
             <a:endParaRPr lang="en-US" sz="1600" dirty="0"/>
+          </a:p>
+        </p:txBody>
+      </p:sp>
+    </p:spTree>
+  </p:cSld>
+  <p:clrMapOvr>
+    <a:masterClrMapping/>
+  </p:clrMapOvr>
+</p:sld>
+</file>
+
+<file path=ppt/slides/slide3.xml><?xml version="1.0" encoding="utf-8"?>
+<p:sld xmlns:a="http://schemas.openxmlformats.org/drawingml/2006/main" xmlns:r="http://schemas.openxmlformats.org/officeDocument/2006/relationships" xmlns:p="http://schemas.openxmlformats.org/presentationml/2006/main">
+  <p:cSld name="Slide 3">
+    <p:spTree>
+      <p:nvGrpSpPr>
+        <p:cNvPr id="1" name=""/>
+        <p:cNvGrpSpPr/>
+        <p:nvPr/>
+      </p:nvGrpSpPr>
+      <p:grpSpPr>
+        <a:xfrm>
+          <a:off x="0" y="0"/>
+          <a:ext cx="0" cy="0"/>
+          <a:chOff x="0" y="0"/>
+          <a:chExt cx="0" cy="0"/>
+        </a:xfrm>
+      </p:grpSpPr>
+      <p:sp>
+        <p:nvSpPr>
+          <p:cNvPr id="2" name="Text 0"/>
+          <p:cNvSpPr/>
+          <p:nvPr/>
+        </p:nvSpPr>
+        <p:spPr>
+          <a:xfrm>
+            <a:off x="457200" y="457200"/>
+            <a:ext cx="8229600" cy="914400"/>
+          </a:xfrm>
+          <a:prstGeom prst="rect">
+            <a:avLst/>
+          </a:prstGeom>
+          <a:noFill/>
+          <a:ln/>
+        </p:spPr>
+        <p:txBody>
+          <a:bodyPr wrap="square" rtlCol="0" anchor="ctr"/>
+          <a:lstStyle/>
+          <a:p>
+            <a:pPr indent="0" marL="0">
+              <a:buNone/>
+            </a:pPr>
+            <a:r>
+              <a:rPr lang="en-US" sz="2400" b="1" dirty="0">
+                <a:solidFill>
+                  <a:srgbClr val="2E86AB"/>
+                </a:solidFill>
+              </a:rPr>
+              <a:t>AI Recommendations</a:t>
+            </a:r>
+            <a:endParaRPr lang="en-US" sz="2400" dirty="0"/>
+          </a:p>
+        </p:txBody>
+      </p:sp>
+      <p:sp>
+        <p:nvSpPr>
+          <p:cNvPr id="3" name="Text 1"/>
+          <p:cNvSpPr/>
+          <p:nvPr/>
+        </p:nvSpPr>
+        <p:spPr>
+          <a:xfrm>
+            <a:off x="457200" y="1371600"/>
+            <a:ext cx="8229600" cy="3657600"/>
+          </a:xfrm>
+          <a:prstGeom prst="rect">
+            <a:avLst/>
+          </a:prstGeom>
+          <a:noFill/>
+          <a:ln/>
+        </p:spPr>
+        <p:txBody>
+          <a:bodyPr wrap="square" rtlCol="0" anchor="t"/>
+          <a:lstStyle/>
+          <a:p>
+            <a:pPr indent="0" marL="0">
+              <a:buNone/>
+            </a:pPr>
+            <a:r>
+              <a:rPr lang="en-US" sz="1400" dirty="0">
+                <a:solidFill>
+                  <a:srgbClr val="000000"/>
+                </a:solidFill>
+              </a:rPr>
+              <a:t>1. Focus on growth</a:t>
+            </a:r>
+            <a:endParaRPr lang="en-US" sz="1400" dirty="0"/>
+          </a:p>
+        </p:txBody>
+      </p:sp>
+    </p:spTree>
+  </p:cSld>
+  <p:clrMapOvr>
+    <a:masterClrMapping/>
+  </p:clrMapOvr>
+</p:sld>
+</file>
+
+<file path=ppt/slides/slide4.xml><?xml version="1.0" encoding="utf-8"?>
+<p:sld xmlns:a="http://schemas.openxmlformats.org/drawingml/2006/main" xmlns:r="http://schemas.openxmlformats.org/officeDocument/2006/relationships" xmlns:p="http://schemas.openxmlformats.org/presentationml/2006/main">
+  <p:cSld name="Slide 4">
+    <p:spTree>
+      <p:nvGrpSpPr>
+        <p:cNvPr id="1" name=""/>
+        <p:cNvGrpSpPr/>
+        <p:nvPr/>
+      </p:nvGrpSpPr>
+      <p:grpSpPr>
+        <a:xfrm>
+          <a:off x="0" y="0"/>
+          <a:ext cx="0" cy="0"/>
+          <a:chOff x="0" y="0"/>
+          <a:chExt cx="0" cy="0"/>
+        </a:xfrm>
+      </p:grpSpPr>
+      <p:sp>
+        <p:nvSpPr>
+          <p:cNvPr id="2" name="Text 0"/>
+          <p:cNvSpPr/>
+          <p:nvPr/>
+        </p:nvSpPr>
+        <p:spPr>
+          <a:xfrm>
+            <a:off x="457200" y="457200"/>
+            <a:ext cx="8229600" cy="914400"/>
+          </a:xfrm>
+          <a:prstGeom prst="rect">
+            <a:avLst/>
+          </a:prstGeom>
+          <a:noFill/>
+          <a:ln/>
+        </p:spPr>
+        <p:txBody>
+          <a:bodyPr wrap="square" rtlCol="0" anchor="ctr"/>
+          <a:lstStyle/>
+          <a:p>
+            <a:pPr indent="0" marL="0">
+              <a:buNone/>
+            </a:pPr>
+            <a:r>
+              <a:rPr lang="en-US" sz="2400" b="1" dirty="0">
+                <a:solidFill>
+                  <a:srgbClr val="2E86AB"/>
+                </a:solidFill>
+              </a:rPr>
+              <a:t>Statistical Summary</a:t>
+            </a:r>
+            <a:endParaRPr lang="en-US" sz="2400" dirty="0"/>
+          </a:p>
+        </p:txBody>
+      </p:sp>
+      <p:sp>
+        <p:nvSpPr>
+          <p:cNvPr id="3" name="Text 1"/>
+          <p:cNvSpPr/>
+          <p:nvPr/>
+        </p:nvSpPr>
+        <p:spPr>
+          <a:xfrm>
+            <a:off x="457200" y="1371600"/>
+            <a:ext cx="8229600" cy="3657600"/>
+          </a:xfrm>
+          <a:prstGeom prst="rect">
+            <a:avLst/>
+          </a:prstGeom>
+          <a:noFill/>
+          <a:ln/>
+        </p:spPr>
+        <p:txBody>
+          <a:bodyPr wrap="square" rtlCol="0" anchor="t"/>
+          <a:lstStyle/>
+          <a:p>
+            <a:pPr indent="0" marL="0">
+              <a:buNone/>
+            </a:pPr>
+            <a:r>
+              <a:rPr lang="en-US" sz="1400" dirty="0">
+                <a:solidFill>
+                  <a:srgbClr val="000000"/>
+                </a:solidFill>
+              </a:rPr>
+              <a:t>Sales: Count: 100 | Avg: 1250.50 | Min: 100 | Max: 5000</a:t>
+            </a:r>
+            <a:endParaRPr lang="en-US" sz="1400" dirty="0"/>
           </a:p>
         </p:txBody>
       </p:sp>
